--- a/Private/Portfolio/Simple - Edit.pptx
+++ b/Private/Portfolio/Simple - Edit.pptx
@@ -2,7 +2,7 @@
 <file path=ppt/presentation.xml><?xml version="1.0" encoding="utf-8"?>
 <p:presentation xmlns:r="http://schemas.openxmlformats.org/officeDocument/2006/relationships" xmlns:c="http://schemas.openxmlformats.org/drawingml/2006/chart" xmlns:a="http://schemas.openxmlformats.org/drawingml/2006/main" xmlns:dgm="http://schemas.openxmlformats.org/drawingml/2006/diagram" xmlns:dsp="http://schemas.microsoft.com/office/drawing/2008/diagram" xmlns:p="http://schemas.openxmlformats.org/presentationml/2006/main">
   <p:sldMasterIdLst>
-    <p:sldMasterId id="2147483670" r:id="rId1"/>
+    <p:sldMasterId id="2147483665" r:id="rId1"/>
   </p:sldMasterIdLst>
   <p:notesMasterIdLst>
     <p:notesMasterId r:id="rId2"/>
@@ -218,7 +218,7 @@
               <a:pPr lvl="0">
                 <a:defRPr/>
               </a:pPr>
-              <a:t>2026-02-03</a:t>
+              <a:t>2026-02-09</a:t>
             </a:fld>
             <a:endParaRPr lang="ko-KR" altLang="en-US"/>
           </a:p>
@@ -16667,6 +16667,104 @@
               </a:solidFill>
               <a:latin typeface="Pretendard Medium"/>
             </a:endParaRPr>
+          </a:p>
+        </p:txBody>
+      </p:sp>
+      <p:sp>
+        <p:nvSpPr>
+          <p:cNvPr id="39" name=""/>
+          <p:cNvSpPr txBox="1"/>
+          <p:nvPr/>
+        </p:nvSpPr>
+        <p:spPr>
+          <a:xfrm>
+            <a:off x="1524000" y="3086100"/>
+            <a:ext cx="5181600" cy="1731645"/>
+          </a:xfrm>
+          <a:prstGeom prst="rect">
+            <a:avLst/>
+          </a:prstGeom>
+        </p:spPr>
+        <p:txBody>
+          <a:bodyPr wrap="square">
+            <a:spAutoFit/>
+          </a:bodyPr>
+          <a:p>
+            <a:pPr>
+              <a:defRPr/>
+            </a:pPr>
+            <a:r>
+              <a:rPr lang="ko-KR" altLang="en-US"/>
+              <a:t>프로젝트 소개</a:t>
+            </a:r>
+            <a:r>
+              <a:rPr lang="en-US" altLang="ko-KR"/>
+              <a:t>.</a:t>
+            </a:r>
+            <a:endParaRPr lang="en-US" altLang="ko-KR"/>
+          </a:p>
+          <a:p>
+            <a:pPr>
+              <a:defRPr/>
+            </a:pPr>
+            <a:endParaRPr lang="en-US" altLang="ko-KR"/>
+          </a:p>
+          <a:p>
+            <a:pPr>
+              <a:defRPr/>
+            </a:pPr>
+            <a:r>
+              <a:rPr lang="ko-KR" altLang="en-US"/>
+              <a:t>프로젝트에 들어간 내 분량 </a:t>
+            </a:r>
+            <a:r>
+              <a:rPr lang="en-US" altLang="ko-KR"/>
+              <a:t>:</a:t>
+            </a:r>
+            <a:r>
+              <a:rPr lang="ko-KR" altLang="en-US"/>
+              <a:t> </a:t>
+            </a:r>
+            <a:endParaRPr lang="ko-KR" altLang="en-US"/>
+          </a:p>
+          <a:p>
+            <a:pPr>
+              <a:defRPr/>
+            </a:pPr>
+            <a:r>
+              <a:rPr lang="en-US" altLang="ko-KR"/>
+              <a:t>1.</a:t>
+            </a:r>
+            <a:r>
+              <a:rPr lang="ko-KR" altLang="en-US"/>
+              <a:t> 총기 탄도</a:t>
+            </a:r>
+            <a:endParaRPr lang="ko-KR" altLang="en-US"/>
+          </a:p>
+          <a:p>
+            <a:pPr>
+              <a:defRPr/>
+            </a:pPr>
+            <a:r>
+              <a:rPr lang="en-US" altLang="ko-KR"/>
+              <a:t>2.</a:t>
+            </a:r>
+            <a:r>
+              <a:rPr lang="ko-KR" altLang="en-US"/>
+              <a:t> </a:t>
+            </a:r>
+            <a:r>
+              <a:rPr lang="en-US" altLang="ko-KR"/>
+              <a:t>Ally NPC AI</a:t>
+            </a:r>
+            <a:br>
+              <a:rPr lang="en-US" altLang="ko-KR"/>
+            </a:br>
+            <a:r>
+              <a:rPr lang="en-US" altLang="ko-KR"/>
+              <a:t>3. Story Manager</a:t>
+            </a:r>
+            <a:endParaRPr lang="en-US" altLang="ko-KR"/>
           </a:p>
         </p:txBody>
       </p:sp>
